--- a/format-encodings/slide_presentations/.hidden/multiplication.pptx
+++ b/format-encodings/slide_presentations/.hidden/multiplication.pptx
@@ -9060,7 +9060,7 @@
         </p:nvSpPr>
         <p:spPr>
           <a:xfrm>
-            <a:off x="7012922" y="3196968"/>
+            <a:off x="4382238" y="1662634"/>
             <a:ext cx="2092403" cy="2462182"/>
           </a:xfrm>
           <a:prstGeom prst="roundRect">
@@ -10630,7 +10630,7 @@
         </p:nvSpPr>
         <p:spPr>
           <a:xfrm>
-            <a:off x="6406281" y="3894580"/>
+            <a:off x="3950919" y="1691378"/>
             <a:ext cx="2335058" cy="3099280"/>
           </a:xfrm>
           <a:prstGeom prst="roundRect">
